--- a/references/ANN diagram.pptx
+++ b/references/ANN diagram.pptx
@@ -110,6 +110,11 @@
       </a:defRPr>
     </a:lvl9pPr>
   </p:defaultTextStyle>
+  <p:extLst>
+    <p:ext uri="{EFAFB233-063F-42B5-8137-9DF3F51BA10A}">
+      <p15:sldGuideLst xmlns:p15="http://schemas.microsoft.com/office/powerpoint/2012/main"/>
+    </p:ext>
+  </p:extLst>
 </p:presentation>
 </file>
 
@@ -4302,7 +4307,7 @@
         </p:nvSpPr>
         <p:spPr>
           <a:xfrm>
-            <a:off x="3698628" y="2177365"/>
+            <a:off x="3770142" y="2269602"/>
             <a:ext cx="2584940" cy="2584940"/>
           </a:xfrm>
           <a:prstGeom prst="ellipse">
@@ -4363,9 +4368,9 @@
         <p:grpSpPr>
           <a:xfrm>
             <a:off x="1679526" y="1262966"/>
-            <a:ext cx="2019102" cy="2206869"/>
+            <a:ext cx="2090616" cy="2299106"/>
             <a:chOff x="1679526" y="1262966"/>
-            <a:chExt cx="2019102" cy="2206869"/>
+            <a:chExt cx="2090616" cy="2299106"/>
           </a:xfrm>
         </p:grpSpPr>
         <p:cxnSp>
@@ -4386,7 +4391,7 @@
           <p:spPr>
             <a:xfrm>
               <a:off x="1679526" y="1262966"/>
-              <a:ext cx="2019102" cy="2206869"/>
+              <a:ext cx="2090616" cy="2299106"/>
             </a:xfrm>
             <a:prstGeom prst="straightConnector1">
               <a:avLst/>
@@ -4468,9 +4473,9 @@
         <p:grpSpPr>
           <a:xfrm>
             <a:off x="1679526" y="2486855"/>
-            <a:ext cx="2019102" cy="982980"/>
+            <a:ext cx="2090616" cy="1075217"/>
             <a:chOff x="1679526" y="2486855"/>
-            <a:chExt cx="2019102" cy="982980"/>
+            <a:chExt cx="2090616" cy="1075217"/>
           </a:xfrm>
         </p:grpSpPr>
         <p:cxnSp>
@@ -4491,7 +4496,7 @@
           <p:spPr>
             <a:xfrm>
               <a:off x="1679526" y="2486855"/>
-              <a:ext cx="2019102" cy="982980"/>
+              <a:ext cx="2090616" cy="1075217"/>
             </a:xfrm>
             <a:prstGeom prst="straightConnector1">
               <a:avLst/>
@@ -4573,9 +4578,9 @@
         <p:grpSpPr>
           <a:xfrm>
             <a:off x="1679526" y="3441506"/>
-            <a:ext cx="2019102" cy="369332"/>
+            <a:ext cx="2090616" cy="369332"/>
             <a:chOff x="1679526" y="3441506"/>
-            <a:chExt cx="2019102" cy="369332"/>
+            <a:chExt cx="2090616" cy="369332"/>
           </a:xfrm>
         </p:grpSpPr>
         <p:cxnSp>
@@ -4595,8 +4600,8 @@
           </p:nvCxnSpPr>
           <p:spPr>
             <a:xfrm flipV="1">
-              <a:off x="1679526" y="3469835"/>
-              <a:ext cx="2019102" cy="240909"/>
+              <a:off x="1679526" y="3562072"/>
+              <a:ext cx="2090616" cy="148672"/>
             </a:xfrm>
             <a:prstGeom prst="straightConnector1">
               <a:avLst/>
@@ -4677,10 +4682,10 @@
         </p:nvGrpSpPr>
         <p:grpSpPr>
           <a:xfrm>
-            <a:off x="1679526" y="3469835"/>
-            <a:ext cx="2019102" cy="1464799"/>
-            <a:chOff x="1679526" y="3469835"/>
-            <a:chExt cx="2019102" cy="1464799"/>
+            <a:off x="1679526" y="3562072"/>
+            <a:ext cx="2090616" cy="1372562"/>
+            <a:chOff x="1679526" y="3562072"/>
+            <a:chExt cx="2090616" cy="1372562"/>
           </a:xfrm>
         </p:grpSpPr>
         <p:cxnSp>
@@ -4700,8 +4705,8 @@
           </p:nvCxnSpPr>
           <p:spPr>
             <a:xfrm flipV="1">
-              <a:off x="1679526" y="3469835"/>
-              <a:ext cx="2019102" cy="1464799"/>
+              <a:off x="1679526" y="3562072"/>
+              <a:ext cx="2090616" cy="1372562"/>
             </a:xfrm>
             <a:prstGeom prst="straightConnector1">
               <a:avLst/>
@@ -4782,10 +4787,10 @@
         </p:nvGrpSpPr>
         <p:grpSpPr>
           <a:xfrm>
-            <a:off x="1679526" y="3469835"/>
-            <a:ext cx="2019102" cy="2688689"/>
-            <a:chOff x="1679526" y="3469835"/>
-            <a:chExt cx="2019102" cy="2688689"/>
+            <a:off x="1679526" y="3562072"/>
+            <a:ext cx="2090616" cy="2596452"/>
+            <a:chOff x="1679526" y="3562072"/>
+            <a:chExt cx="2090616" cy="2596452"/>
           </a:xfrm>
         </p:grpSpPr>
         <p:cxnSp>
@@ -4805,8 +4810,8 @@
           </p:nvCxnSpPr>
           <p:spPr>
             <a:xfrm flipV="1">
-              <a:off x="1679526" y="3469835"/>
-              <a:ext cx="2019102" cy="2688689"/>
+              <a:off x="1679526" y="3562072"/>
+              <a:ext cx="2090616" cy="2596452"/>
             </a:xfrm>
             <a:prstGeom prst="straightConnector1">
               <a:avLst/>
@@ -4873,8 +4878,8 @@
           </p:txBody>
         </p:sp>
       </p:grpSp>
-      <mc:AlternateContent xmlns:mc="http://schemas.openxmlformats.org/markup-compatibility/2006">
-        <mc:Choice xmlns:a14="http://schemas.microsoft.com/office/drawing/2010/main" Requires="a14">
+      <mc:AlternateContent xmlns:mc="http://schemas.openxmlformats.org/markup-compatibility/2006" xmlns:a14="http://schemas.microsoft.com/office/drawing/2010/main">
+        <mc:Choice Requires="a14">
           <p:sp>
             <p:nvSpPr>
               <p:cNvPr id="73" name="TextBox 72">
@@ -4903,6 +4908,7 @@
               </a:bodyPr>
               <a:lstStyle/>
               <a:p>
+                <a:pPr/>
                 <a14:m>
                   <m:oMathPara xmlns:m="http://schemas.openxmlformats.org/officeDocument/2006/math">
                     <m:oMathParaPr>
@@ -5148,7 +5154,7 @@
             </p:txBody>
           </p:sp>
         </mc:Choice>
-        <mc:Fallback>
+        <mc:Fallback xmlns="">
           <p:sp>
             <p:nvSpPr>
               <p:cNvPr id="73" name="TextBox 72">
@@ -5193,8 +5199,8 @@
           </p:sp>
         </mc:Fallback>
       </mc:AlternateContent>
-      <mc:AlternateContent xmlns:mc="http://schemas.openxmlformats.org/markup-compatibility/2006">
-        <mc:Choice xmlns:a14="http://schemas.microsoft.com/office/drawing/2010/main" Requires="a14">
+      <mc:AlternateContent xmlns:mc="http://schemas.openxmlformats.org/markup-compatibility/2006" xmlns:a14="http://schemas.microsoft.com/office/drawing/2010/main">
+        <mc:Choice Requires="a14">
           <p:sp>
             <p:nvSpPr>
               <p:cNvPr id="79" name="TextBox 78">
@@ -5223,6 +5229,7 @@
               </a:bodyPr>
               <a:lstStyle/>
               <a:p>
+                <a:pPr/>
                 <a14:m>
                   <m:oMathPara xmlns:m="http://schemas.openxmlformats.org/officeDocument/2006/math">
                     <m:oMathParaPr>
@@ -5273,7 +5280,7 @@
             </p:txBody>
           </p:sp>
         </mc:Choice>
-        <mc:Fallback>
+        <mc:Fallback xmlns="">
           <p:sp>
             <p:nvSpPr>
               <p:cNvPr id="79" name="TextBox 78">
@@ -5338,8 +5345,8 @@
             <a:chExt cx="2659581" cy="369332"/>
           </a:xfrm>
         </p:grpSpPr>
-        <mc:AlternateContent xmlns:mc="http://schemas.openxmlformats.org/markup-compatibility/2006">
-          <mc:Choice xmlns:a14="http://schemas.microsoft.com/office/drawing/2010/main" Requires="a14">
+        <mc:AlternateContent xmlns:mc="http://schemas.openxmlformats.org/markup-compatibility/2006" xmlns:a14="http://schemas.microsoft.com/office/drawing/2010/main">
+          <mc:Choice Requires="a14">
             <p:sp>
               <p:nvSpPr>
                 <p:cNvPr id="80" name="TextBox 79">
@@ -5368,6 +5375,7 @@
                 </a:bodyPr>
                 <a:lstStyle/>
                 <a:p>
+                  <a:pPr/>
                   <a14:m>
                     <m:oMathPara xmlns:m="http://schemas.openxmlformats.org/officeDocument/2006/math">
                       <m:oMathParaPr>
@@ -5405,7 +5413,7 @@
               </p:txBody>
             </p:sp>
           </mc:Choice>
-          <mc:Fallback>
+          <mc:Fallback xmlns="">
             <p:sp>
               <p:nvSpPr>
                 <p:cNvPr id="80" name="TextBox 79">
@@ -5502,7 +5510,7 @@
         </p:nvCxnSpPr>
         <p:spPr>
           <a:xfrm flipV="1">
-            <a:off x="6283568" y="3469834"/>
+            <a:off x="6355082" y="3562071"/>
             <a:ext cx="2918951" cy="1"/>
           </a:xfrm>
           <a:prstGeom prst="straightConnector1">
@@ -5527,8 +5535,8 @@
           </a:fontRef>
         </p:style>
       </p:cxnSp>
-      <mc:AlternateContent xmlns:mc="http://schemas.openxmlformats.org/markup-compatibility/2006">
-        <mc:Choice xmlns:a14="http://schemas.microsoft.com/office/drawing/2010/main" Requires="a14">
+      <mc:AlternateContent xmlns:mc="http://schemas.openxmlformats.org/markup-compatibility/2006" xmlns:a14="http://schemas.microsoft.com/office/drawing/2010/main">
+        <mc:Choice Requires="a14">
           <p:sp>
             <p:nvSpPr>
               <p:cNvPr id="84" name="Rectangle 83">
@@ -5556,6 +5564,7 @@
               </a:bodyPr>
               <a:lstStyle/>
               <a:p>
+                <a:pPr/>
                 <a14:m>
                   <m:oMathPara xmlns:m="http://schemas.openxmlformats.org/officeDocument/2006/math">
                     <m:oMathParaPr>
@@ -5669,7 +5678,7 @@
             </p:txBody>
           </p:sp>
         </mc:Choice>
-        <mc:Fallback>
+        <mc:Fallback xmlns="">
           <p:sp>
             <p:nvSpPr>
               <p:cNvPr id="84" name="Rectangle 83">
